--- a/slide/Scikit-Learn.pptx
+++ b/slide/Scikit-Learn.pptx
@@ -212,7 +212,7 @@
             <a:pPr rtl="0"/>
             <a:fld id="{4F60AFAF-CF54-453F-85A6-EE7AE76A6D38}" type="datetime1">
               <a:rPr lang="it-IT" smtClean="0"/>
-              <a:t>24/01/2022</a:t>
+              <a:t>25/01/2022</a:t>
             </a:fld>
             <a:endParaRPr lang="en-US" dirty="0"/>
           </a:p>
@@ -5937,7 +5937,7 @@
             </a:r>
             <a:r>
               <a:rPr lang="it-IT" dirty="0" err="1"/>
-              <a:t>Estractor</a:t>
+              <a:t>Extractor</a:t>
             </a:r>
             <a:endParaRPr lang="it-IT" dirty="0"/>
           </a:p>
@@ -8597,7 +8597,7 @@
               <a:rPr lang="it-IT" dirty="0" err="1">
                 <a:latin typeface="Consolas" panose="020B0609020204030204" pitchFamily="49" charset="0"/>
               </a:rPr>
-              <a:t>Get_fetures_names_out</a:t>
+              <a:t>get_features_names_out</a:t>
             </a:r>
             <a:r>
               <a:rPr lang="it-IT" dirty="0">
